--- a/Note/figures/FigureCreation.pptx
+++ b/Note/figures/FigureCreation.pptx
@@ -293,7 +293,7 @@
           <a:p>
             <a:fld id="{908564A7-AEB3-AE40-A644-29356D33299A}" type="datetimeFigureOut">
               <a:rPr lang="en-US" smtClean="0"/>
-              <a:t>4/25/17</a:t>
+              <a:t>5/20/17</a:t>
             </a:fld>
             <a:endParaRPr lang="en-US"/>
           </a:p>
@@ -463,7 +463,7 @@
           <a:p>
             <a:fld id="{908564A7-AEB3-AE40-A644-29356D33299A}" type="datetimeFigureOut">
               <a:rPr lang="en-US" smtClean="0"/>
-              <a:t>4/25/17</a:t>
+              <a:t>5/20/17</a:t>
             </a:fld>
             <a:endParaRPr lang="en-US"/>
           </a:p>
@@ -643,7 +643,7 @@
           <a:p>
             <a:fld id="{908564A7-AEB3-AE40-A644-29356D33299A}" type="datetimeFigureOut">
               <a:rPr lang="en-US" smtClean="0"/>
-              <a:t>4/25/17</a:t>
+              <a:t>5/20/17</a:t>
             </a:fld>
             <a:endParaRPr lang="en-US"/>
           </a:p>
@@ -813,7 +813,7 @@
           <a:p>
             <a:fld id="{908564A7-AEB3-AE40-A644-29356D33299A}" type="datetimeFigureOut">
               <a:rPr lang="en-US" smtClean="0"/>
-              <a:t>4/25/17</a:t>
+              <a:t>5/20/17</a:t>
             </a:fld>
             <a:endParaRPr lang="en-US"/>
           </a:p>
@@ -1059,7 +1059,7 @@
           <a:p>
             <a:fld id="{908564A7-AEB3-AE40-A644-29356D33299A}" type="datetimeFigureOut">
               <a:rPr lang="en-US" smtClean="0"/>
-              <a:t>4/25/17</a:t>
+              <a:t>5/20/17</a:t>
             </a:fld>
             <a:endParaRPr lang="en-US"/>
           </a:p>
@@ -1347,7 +1347,7 @@
           <a:p>
             <a:fld id="{908564A7-AEB3-AE40-A644-29356D33299A}" type="datetimeFigureOut">
               <a:rPr lang="en-US" smtClean="0"/>
-              <a:t>4/25/17</a:t>
+              <a:t>5/20/17</a:t>
             </a:fld>
             <a:endParaRPr lang="en-US"/>
           </a:p>
@@ -1769,7 +1769,7 @@
           <a:p>
             <a:fld id="{908564A7-AEB3-AE40-A644-29356D33299A}" type="datetimeFigureOut">
               <a:rPr lang="en-US" smtClean="0"/>
-              <a:t>4/25/17</a:t>
+              <a:t>5/20/17</a:t>
             </a:fld>
             <a:endParaRPr lang="en-US"/>
           </a:p>
@@ -1887,7 +1887,7 @@
           <a:p>
             <a:fld id="{908564A7-AEB3-AE40-A644-29356D33299A}" type="datetimeFigureOut">
               <a:rPr lang="en-US" smtClean="0"/>
-              <a:t>4/25/17</a:t>
+              <a:t>5/20/17</a:t>
             </a:fld>
             <a:endParaRPr lang="en-US"/>
           </a:p>
@@ -1982,7 +1982,7 @@
           <a:p>
             <a:fld id="{908564A7-AEB3-AE40-A644-29356D33299A}" type="datetimeFigureOut">
               <a:rPr lang="en-US" smtClean="0"/>
-              <a:t>4/25/17</a:t>
+              <a:t>5/20/17</a:t>
             </a:fld>
             <a:endParaRPr lang="en-US"/>
           </a:p>
@@ -2259,7 +2259,7 @@
           <a:p>
             <a:fld id="{908564A7-AEB3-AE40-A644-29356D33299A}" type="datetimeFigureOut">
               <a:rPr lang="en-US" smtClean="0"/>
-              <a:t>4/25/17</a:t>
+              <a:t>5/20/17</a:t>
             </a:fld>
             <a:endParaRPr lang="en-US"/>
           </a:p>
@@ -2512,7 +2512,7 @@
           <a:p>
             <a:fld id="{908564A7-AEB3-AE40-A644-29356D33299A}" type="datetimeFigureOut">
               <a:rPr lang="en-US" smtClean="0"/>
-              <a:t>4/25/17</a:t>
+              <a:t>5/20/17</a:t>
             </a:fld>
             <a:endParaRPr lang="en-US"/>
           </a:p>
@@ -2725,7 +2725,7 @@
           <a:p>
             <a:fld id="{908564A7-AEB3-AE40-A644-29356D33299A}" type="datetimeFigureOut">
               <a:rPr lang="en-US" smtClean="0"/>
-              <a:t>4/25/17</a:t>
+              <a:t>5/20/17</a:t>
             </a:fld>
             <a:endParaRPr lang="en-US"/>
           </a:p>
@@ -3318,15 +3318,7 @@
                   <a:schemeClr val="tx1"/>
                 </a:solidFill>
               </a:rPr>
-              <a:t>+5×</a:t>
-            </a:r>
-            <a:r>
-              <a:rPr lang="en-US" sz="1400" dirty="0" smtClean="0">
-                <a:solidFill>
-                  <a:schemeClr val="tx1"/>
-                </a:solidFill>
-              </a:rPr>
-              <a:t>R(t)</a:t>
+              <a:t>+5×R(t)</a:t>
             </a:r>
             <a:endParaRPr lang="en-US" sz="1400" dirty="0">
               <a:solidFill>
@@ -3511,15 +3503,7 @@
                   <a:schemeClr val="tx1"/>
                 </a:solidFill>
               </a:rPr>
-              <a:t>Like </a:t>
-            </a:r>
-            <a:r>
-              <a:rPr lang="en-US" dirty="0" smtClean="0">
-                <a:solidFill>
-                  <a:schemeClr val="tx1"/>
-                </a:solidFill>
-              </a:rPr>
-              <a:t>Rabbits</a:t>
+              <a:t>Like Rabbits</a:t>
             </a:r>
           </a:p>
           <a:p>
@@ -3661,15 +3645,7 @@
                   <a:schemeClr val="tx1"/>
                 </a:solidFill>
               </a:rPr>
-              <a:t>Time of </a:t>
-            </a:r>
-            <a:r>
-              <a:rPr lang="en-US" dirty="0" smtClean="0">
-                <a:solidFill>
-                  <a:schemeClr val="tx1"/>
-                </a:solidFill>
-              </a:rPr>
-              <a:t>Famine</a:t>
+              <a:t>Time of Famine</a:t>
             </a:r>
           </a:p>
           <a:p>
@@ -7581,92 +7557,6 @@
           </a:p>
         </p:txBody>
       </p:sp>
-      <p:sp>
-        <p:nvSpPr>
-          <p:cNvPr id="73" name="Rectangle 72"/>
-          <p:cNvSpPr/>
-          <p:nvPr/>
-        </p:nvSpPr>
-        <p:spPr>
-          <a:xfrm>
-            <a:off x="175635" y="2310207"/>
-            <a:ext cx="4861338" cy="3497678"/>
-          </a:xfrm>
-          <a:prstGeom prst="rect">
-            <a:avLst/>
-          </a:prstGeom>
-          <a:noFill/>
-          <a:ln>
-            <a:noFill/>
-          </a:ln>
-          <a:effectLst/>
-        </p:spPr>
-        <p:style>
-          <a:lnRef idx="1">
-            <a:schemeClr val="accent1"/>
-          </a:lnRef>
-          <a:fillRef idx="3">
-            <a:schemeClr val="accent1"/>
-          </a:fillRef>
-          <a:effectRef idx="2">
-            <a:schemeClr val="accent1"/>
-          </a:effectRef>
-          <a:fontRef idx="minor">
-            <a:schemeClr val="lt1"/>
-          </a:fontRef>
-        </p:style>
-        <p:txBody>
-          <a:bodyPr rtlCol="0" anchor="ctr"/>
-          <a:lstStyle/>
-          <a:p>
-            <a:pPr algn="ctr"/>
-            <a:endParaRPr lang="en-US"/>
-          </a:p>
-        </p:txBody>
-      </p:sp>
-      <p:sp>
-        <p:nvSpPr>
-          <p:cNvPr id="74" name="Rectangle 73"/>
-          <p:cNvSpPr/>
-          <p:nvPr/>
-        </p:nvSpPr>
-        <p:spPr>
-          <a:xfrm>
-            <a:off x="5592791" y="2458922"/>
-            <a:ext cx="4861338" cy="3497678"/>
-          </a:xfrm>
-          <a:prstGeom prst="rect">
-            <a:avLst/>
-          </a:prstGeom>
-          <a:noFill/>
-          <a:ln>
-            <a:noFill/>
-          </a:ln>
-          <a:effectLst/>
-        </p:spPr>
-        <p:style>
-          <a:lnRef idx="1">
-            <a:schemeClr val="accent1"/>
-          </a:lnRef>
-          <a:fillRef idx="3">
-            <a:schemeClr val="accent1"/>
-          </a:fillRef>
-          <a:effectRef idx="2">
-            <a:schemeClr val="accent1"/>
-          </a:effectRef>
-          <a:fontRef idx="minor">
-            <a:schemeClr val="lt1"/>
-          </a:fontRef>
-        </p:style>
-        <p:txBody>
-          <a:bodyPr rtlCol="0" anchor="ctr"/>
-          <a:lstStyle/>
-          <a:p>
-            <a:pPr algn="ctr"/>
-            <a:endParaRPr lang="en-US"/>
-          </a:p>
-        </p:txBody>
-      </p:sp>
       <p:cxnSp>
         <p:nvCxnSpPr>
           <p:cNvPr id="75" name="Straight Arrow Connector 74"/>
@@ -8226,14 +8116,100 @@
       </p:sp>
       <p:sp>
         <p:nvSpPr>
-          <p:cNvPr id="90" name="Rectangle 89"/>
+          <p:cNvPr id="54" name="Rectangle 53"/>
           <p:cNvSpPr/>
           <p:nvPr/>
         </p:nvSpPr>
         <p:spPr>
           <a:xfrm>
-            <a:off x="10922974" y="2440170"/>
-            <a:ext cx="4861338" cy="3497678"/>
+            <a:off x="5754497" y="2745777"/>
+            <a:ext cx="4375024" cy="2798235"/>
+          </a:xfrm>
+          <a:prstGeom prst="rect">
+            <a:avLst/>
+          </a:prstGeom>
+          <a:noFill/>
+          <a:ln>
+            <a:noFill/>
+          </a:ln>
+          <a:effectLst/>
+        </p:spPr>
+        <p:style>
+          <a:lnRef idx="1">
+            <a:schemeClr val="accent1"/>
+          </a:lnRef>
+          <a:fillRef idx="3">
+            <a:schemeClr val="accent1"/>
+          </a:fillRef>
+          <a:effectRef idx="2">
+            <a:schemeClr val="accent1"/>
+          </a:effectRef>
+          <a:fontRef idx="minor">
+            <a:schemeClr val="lt1"/>
+          </a:fontRef>
+        </p:style>
+        <p:txBody>
+          <a:bodyPr rtlCol="0" anchor="ctr"/>
+          <a:lstStyle/>
+          <a:p>
+            <a:pPr algn="ctr"/>
+            <a:endParaRPr lang="en-US"/>
+          </a:p>
+        </p:txBody>
+      </p:sp>
+      <p:sp>
+        <p:nvSpPr>
+          <p:cNvPr id="56" name="Rectangle 55"/>
+          <p:cNvSpPr/>
+          <p:nvPr/>
+        </p:nvSpPr>
+        <p:spPr>
+          <a:xfrm>
+            <a:off x="11070731" y="2745777"/>
+            <a:ext cx="4375024" cy="2798235"/>
+          </a:xfrm>
+          <a:prstGeom prst="rect">
+            <a:avLst/>
+          </a:prstGeom>
+          <a:noFill/>
+          <a:ln>
+            <a:noFill/>
+          </a:ln>
+          <a:effectLst/>
+        </p:spPr>
+        <p:style>
+          <a:lnRef idx="1">
+            <a:schemeClr val="accent1"/>
+          </a:lnRef>
+          <a:fillRef idx="3">
+            <a:schemeClr val="accent1"/>
+          </a:fillRef>
+          <a:effectRef idx="2">
+            <a:schemeClr val="accent1"/>
+          </a:effectRef>
+          <a:fontRef idx="minor">
+            <a:schemeClr val="lt1"/>
+          </a:fontRef>
+        </p:style>
+        <p:txBody>
+          <a:bodyPr rtlCol="0" anchor="ctr"/>
+          <a:lstStyle/>
+          <a:p>
+            <a:pPr algn="ctr"/>
+            <a:endParaRPr lang="en-US"/>
+          </a:p>
+        </p:txBody>
+      </p:sp>
+      <p:sp>
+        <p:nvSpPr>
+          <p:cNvPr id="57" name="Rectangle 56"/>
+          <p:cNvSpPr/>
+          <p:nvPr/>
+        </p:nvSpPr>
+        <p:spPr>
+          <a:xfrm>
+            <a:off x="295084" y="2345965"/>
+            <a:ext cx="4741889" cy="3246774"/>
           </a:xfrm>
           <a:prstGeom prst="rect">
             <a:avLst/>
@@ -9796,7 +9772,6 @@
                 <a:rPr lang="en-US" dirty="0"/>
                 <a:t>y</a:t>
               </a:r>
-              <a:endParaRPr lang="en-US" dirty="0"/>
             </a:p>
           </p:txBody>
         </p:sp>
@@ -10666,7 +10641,6 @@
               <a:rPr lang="en-US" dirty="0"/>
               <a:t>y</a:t>
             </a:r>
-            <a:endParaRPr lang="en-US" dirty="0"/>
           </a:p>
         </p:txBody>
       </p:sp>
@@ -10726,7 +10700,6 @@
               <a:rPr lang="en-US" dirty="0"/>
               <a:t>x</a:t>
             </a:r>
-            <a:endParaRPr lang="en-US" dirty="0"/>
           </a:p>
         </p:txBody>
       </p:sp>
